--- a/Regenrative breaking/REGENERATIVE BREAKING.pptx
+++ b/Regenrative breaking/REGENERATIVE BREAKING.pptx
@@ -9,9 +9,13 @@
     <p:sldId id="257" r:id="rId3"/>
     <p:sldId id="259" r:id="rId4"/>
     <p:sldId id="262" r:id="rId5"/>
-    <p:sldId id="258" r:id="rId6"/>
-    <p:sldId id="260" r:id="rId7"/>
-    <p:sldId id="261" r:id="rId8"/>
+    <p:sldId id="260" r:id="rId6"/>
+    <p:sldId id="258" r:id="rId7"/>
+    <p:sldId id="264" r:id="rId8"/>
+    <p:sldId id="265" r:id="rId9"/>
+    <p:sldId id="263" r:id="rId10"/>
+    <p:sldId id="261" r:id="rId11"/>
+    <p:sldId id="266" r:id="rId12"/>
   </p:sldIdLst>
   <p:sldSz cx="12192000" cy="6858000"/>
   <p:notesSz cx="6858000" cy="9144000"/>
@@ -110,6 +114,11 @@
       </a:defRPr>
     </a:lvl9pPr>
   </p:defaultTextStyle>
+  <p:extLst>
+    <p:ext uri="{EFAFB233-063F-42B5-8137-9DF3F51BA10A}">
+      <p15:sldGuideLst xmlns:p15="http://schemas.microsoft.com/office/powerpoint/2012/main"/>
+    </p:ext>
+  </p:extLst>
 </p:presentation>
 </file>
 
@@ -299,7 +308,7 @@
           <a:p>
             <a:fld id="{1A1BD963-442F-43D6-B253-8F476B11D7DB}" type="datetimeFigureOut">
               <a:rPr lang="en-US" smtClean="0"/>
-              <a:t>11-Jan-22</a:t>
+              <a:t>1/16/2022</a:t>
             </a:fld>
             <a:endParaRPr lang="en-US"/>
           </a:p>
@@ -574,7 +583,7 @@
           <a:p>
             <a:fld id="{1A1BD963-442F-43D6-B253-8F476B11D7DB}" type="datetimeFigureOut">
               <a:rPr lang="en-US" smtClean="0"/>
-              <a:t>11-Jan-22</a:t>
+              <a:t>1/16/2022</a:t>
             </a:fld>
             <a:endParaRPr lang="en-US"/>
           </a:p>
@@ -768,7 +777,7 @@
           <a:p>
             <a:fld id="{1A1BD963-442F-43D6-B253-8F476B11D7DB}" type="datetimeFigureOut">
               <a:rPr lang="en-US" smtClean="0"/>
-              <a:t>11-Jan-22</a:t>
+              <a:t>1/16/2022</a:t>
             </a:fld>
             <a:endParaRPr lang="en-US"/>
           </a:p>
@@ -1041,7 +1050,7 @@
           <a:p>
             <a:fld id="{1A1BD963-442F-43D6-B253-8F476B11D7DB}" type="datetimeFigureOut">
               <a:rPr lang="en-US" smtClean="0"/>
-              <a:t>11-Jan-22</a:t>
+              <a:t>1/16/2022</a:t>
             </a:fld>
             <a:endParaRPr lang="en-US"/>
           </a:p>
@@ -1382,7 +1391,7 @@
           <a:p>
             <a:fld id="{1A1BD963-442F-43D6-B253-8F476B11D7DB}" type="datetimeFigureOut">
               <a:rPr lang="en-US" smtClean="0"/>
-              <a:t>11-Jan-22</a:t>
+              <a:t>1/16/2022</a:t>
             </a:fld>
             <a:endParaRPr lang="en-US"/>
           </a:p>
@@ -2005,7 +2014,7 @@
           <a:p>
             <a:fld id="{1A1BD963-442F-43D6-B253-8F476B11D7DB}" type="datetimeFigureOut">
               <a:rPr lang="en-US" smtClean="0"/>
-              <a:t>11-Jan-22</a:t>
+              <a:t>1/16/2022</a:t>
             </a:fld>
             <a:endParaRPr lang="en-US"/>
           </a:p>
@@ -2865,7 +2874,7 @@
           <a:p>
             <a:fld id="{1A1BD963-442F-43D6-B253-8F476B11D7DB}" type="datetimeFigureOut">
               <a:rPr lang="en-US" smtClean="0"/>
-              <a:t>11-Jan-22</a:t>
+              <a:t>1/16/2022</a:t>
             </a:fld>
             <a:endParaRPr lang="en-US"/>
           </a:p>
@@ -3035,7 +3044,7 @@
           <a:p>
             <a:fld id="{1A1BD963-442F-43D6-B253-8F476B11D7DB}" type="datetimeFigureOut">
               <a:rPr lang="en-US" smtClean="0"/>
-              <a:t>11-Jan-22</a:t>
+              <a:t>1/16/2022</a:t>
             </a:fld>
             <a:endParaRPr lang="en-US"/>
           </a:p>
@@ -3215,7 +3224,7 @@
           <a:p>
             <a:fld id="{1A1BD963-442F-43D6-B253-8F476B11D7DB}" type="datetimeFigureOut">
               <a:rPr lang="en-US" smtClean="0"/>
-              <a:t>11-Jan-22</a:t>
+              <a:t>1/16/2022</a:t>
             </a:fld>
             <a:endParaRPr lang="en-US"/>
           </a:p>
@@ -3385,7 +3394,7 @@
           <a:p>
             <a:fld id="{1A1BD963-442F-43D6-B253-8F476B11D7DB}" type="datetimeFigureOut">
               <a:rPr lang="en-US" smtClean="0"/>
-              <a:t>11-Jan-22</a:t>
+              <a:t>1/16/2022</a:t>
             </a:fld>
             <a:endParaRPr lang="en-US"/>
           </a:p>
@@ -3632,7 +3641,7 @@
           <a:p>
             <a:fld id="{1A1BD963-442F-43D6-B253-8F476B11D7DB}" type="datetimeFigureOut">
               <a:rPr lang="en-US" smtClean="0"/>
-              <a:t>11-Jan-22</a:t>
+              <a:t>1/16/2022</a:t>
             </a:fld>
             <a:endParaRPr lang="en-US"/>
           </a:p>
@@ -3924,7 +3933,7 @@
           <a:p>
             <a:fld id="{1A1BD963-442F-43D6-B253-8F476B11D7DB}" type="datetimeFigureOut">
               <a:rPr lang="en-US" smtClean="0"/>
-              <a:t>11-Jan-22</a:t>
+              <a:t>1/16/2022</a:t>
             </a:fld>
             <a:endParaRPr lang="en-US"/>
           </a:p>
@@ -4368,7 +4377,7 @@
           <a:p>
             <a:fld id="{1A1BD963-442F-43D6-B253-8F476B11D7DB}" type="datetimeFigureOut">
               <a:rPr lang="en-US" smtClean="0"/>
-              <a:t>11-Jan-22</a:t>
+              <a:t>1/16/2022</a:t>
             </a:fld>
             <a:endParaRPr lang="en-US"/>
           </a:p>
@@ -4486,7 +4495,7 @@
           <a:p>
             <a:fld id="{1A1BD963-442F-43D6-B253-8F476B11D7DB}" type="datetimeFigureOut">
               <a:rPr lang="en-US" smtClean="0"/>
-              <a:t>11-Jan-22</a:t>
+              <a:t>1/16/2022</a:t>
             </a:fld>
             <a:endParaRPr lang="en-US"/>
           </a:p>
@@ -4581,7 +4590,7 @@
           <a:p>
             <a:fld id="{1A1BD963-442F-43D6-B253-8F476B11D7DB}" type="datetimeFigureOut">
               <a:rPr lang="en-US" smtClean="0"/>
-              <a:t>11-Jan-22</a:t>
+              <a:t>1/16/2022</a:t>
             </a:fld>
             <a:endParaRPr lang="en-US"/>
           </a:p>
@@ -4860,7 +4869,7 @@
           <a:p>
             <a:fld id="{1A1BD963-442F-43D6-B253-8F476B11D7DB}" type="datetimeFigureOut">
               <a:rPr lang="en-US" smtClean="0"/>
-              <a:t>11-Jan-22</a:t>
+              <a:t>1/16/2022</a:t>
             </a:fld>
             <a:endParaRPr lang="en-US"/>
           </a:p>
@@ -5135,7 +5144,7 @@
           <a:p>
             <a:fld id="{1A1BD963-442F-43D6-B253-8F476B11D7DB}" type="datetimeFigureOut">
               <a:rPr lang="en-US" smtClean="0"/>
-              <a:t>11-Jan-22</a:t>
+              <a:t>1/16/2022</a:t>
             </a:fld>
             <a:endParaRPr lang="en-US"/>
           </a:p>
@@ -5564,7 +5573,7 @@
           <a:p>
             <a:fld id="{1A1BD963-442F-43D6-B253-8F476B11D7DB}" type="datetimeFigureOut">
               <a:rPr lang="en-US" smtClean="0"/>
-              <a:t>11-Jan-22</a:t>
+              <a:t>1/16/2022</a:t>
             </a:fld>
             <a:endParaRPr lang="en-US"/>
           </a:p>
@@ -6156,6 +6165,209 @@
 </p:sld>
 </file>
 
+<file path=ppt/slides/slide10.xml><?xml version="1.0" encoding="utf-8"?>
+<p:sld xmlns:a="http://schemas.openxmlformats.org/drawingml/2006/main" xmlns:r="http://schemas.openxmlformats.org/officeDocument/2006/relationships" xmlns:p="http://schemas.openxmlformats.org/presentationml/2006/main">
+  <p:cSld>
+    <p:spTree>
+      <p:nvGrpSpPr>
+        <p:cNvPr id="1" name=""/>
+        <p:cNvGrpSpPr/>
+        <p:nvPr/>
+      </p:nvGrpSpPr>
+      <p:grpSpPr>
+        <a:xfrm>
+          <a:off x="0" y="0"/>
+          <a:ext cx="0" cy="0"/>
+          <a:chOff x="0" y="0"/>
+          <a:chExt cx="0" cy="0"/>
+        </a:xfrm>
+      </p:grpSpPr>
+      <p:sp>
+        <p:nvSpPr>
+          <p:cNvPr id="2" name="Title 1">
+            <a:extLst>
+              <a:ext uri="{FF2B5EF4-FFF2-40B4-BE49-F238E27FC236}">
+                <a16:creationId xmlns:a16="http://schemas.microsoft.com/office/drawing/2014/main" id="{ECC0C397-60F4-45DC-A8BD-00A24A139258}"/>
+              </a:ext>
+            </a:extLst>
+          </p:cNvPr>
+          <p:cNvSpPr>
+            <a:spLocks noGrp="1"/>
+          </p:cNvSpPr>
+          <p:nvPr>
+            <p:ph type="title"/>
+          </p:nvPr>
+        </p:nvSpPr>
+        <p:spPr/>
+        <p:txBody>
+          <a:bodyPr/>
+          <a:lstStyle/>
+          <a:p>
+            <a:r>
+              <a:rPr lang="en-US" b="1" dirty="0">
+                <a:latin typeface="Arial" panose="020B0604020202020204" pitchFamily="34" charset="0"/>
+                <a:cs typeface="Arial" panose="020B0604020202020204" pitchFamily="34" charset="0"/>
+              </a:rPr>
+              <a:t>LIMITATIONS:</a:t>
+            </a:r>
+            <a:br>
+              <a:rPr lang="en-US" b="1" dirty="0">
+                <a:latin typeface="Arial" panose="020B0604020202020204" pitchFamily="34" charset="0"/>
+                <a:cs typeface="Arial" panose="020B0604020202020204" pitchFamily="34" charset="0"/>
+              </a:rPr>
+            </a:br>
+            <a:br>
+              <a:rPr lang="en-US" b="1" dirty="0">
+                <a:latin typeface="Arial" panose="020B0604020202020204" pitchFamily="34" charset="0"/>
+                <a:cs typeface="Arial" panose="020B0604020202020204" pitchFamily="34" charset="0"/>
+              </a:rPr>
+            </a:br>
+            <a:endParaRPr lang="en-US" b="1" dirty="0">
+              <a:latin typeface="Arial" panose="020B0604020202020204" pitchFamily="34" charset="0"/>
+              <a:cs typeface="Arial" panose="020B0604020202020204" pitchFamily="34" charset="0"/>
+            </a:endParaRPr>
+          </a:p>
+        </p:txBody>
+      </p:sp>
+      <p:sp>
+        <p:nvSpPr>
+          <p:cNvPr id="3" name="Content Placeholder 2">
+            <a:extLst>
+              <a:ext uri="{FF2B5EF4-FFF2-40B4-BE49-F238E27FC236}">
+                <a16:creationId xmlns:a16="http://schemas.microsoft.com/office/drawing/2014/main" id="{731AF70E-4516-4914-BE6A-26919DD5D555}"/>
+              </a:ext>
+            </a:extLst>
+          </p:cNvPr>
+          <p:cNvSpPr>
+            <a:spLocks noGrp="1"/>
+          </p:cNvSpPr>
+          <p:nvPr>
+            <p:ph idx="1"/>
+          </p:nvPr>
+        </p:nvSpPr>
+        <p:spPr>
+          <a:xfrm>
+            <a:off x="1402243" y="2042645"/>
+            <a:ext cx="8946541" cy="2067018"/>
+          </a:xfrm>
+        </p:spPr>
+        <p:txBody>
+          <a:bodyPr/>
+          <a:lstStyle/>
+          <a:p>
+            <a:r>
+              <a:rPr lang="en-US" b="1" dirty="0">
+                <a:latin typeface="Arial" panose="020B0604020202020204" pitchFamily="34" charset="0"/>
+                <a:cs typeface="Arial" panose="020B0604020202020204" pitchFamily="34" charset="0"/>
+              </a:rPr>
+              <a:t>WE CAN’T RELY ON ONLY THIS BREAKING SYSTEM FOR HIGH SPEED APPLICATIONS.</a:t>
+            </a:r>
+          </a:p>
+          <a:p>
+            <a:pPr marL="0" indent="0">
+              <a:buNone/>
+            </a:pPr>
+            <a:endParaRPr lang="en-US" b="1" dirty="0">
+              <a:latin typeface="Arial" panose="020B0604020202020204" pitchFamily="34" charset="0"/>
+              <a:cs typeface="Arial" panose="020B0604020202020204" pitchFamily="34" charset="0"/>
+            </a:endParaRPr>
+          </a:p>
+          <a:p>
+            <a:r>
+              <a:rPr lang="en-US" b="1" dirty="0">
+                <a:latin typeface="Arial" panose="020B0604020202020204" pitchFamily="34" charset="0"/>
+                <a:cs typeface="Arial" panose="020B0604020202020204" pitchFamily="34" charset="0"/>
+              </a:rPr>
+              <a:t>MORE EFFICIENT AND EFFECTIVE IN STOP-AND-GO DRIVING CONDITIONS.</a:t>
+            </a:r>
+          </a:p>
+          <a:p>
+            <a:pPr marL="0" indent="0">
+              <a:buNone/>
+            </a:pPr>
+            <a:endParaRPr lang="en-US" b="1" dirty="0">
+              <a:latin typeface="Arial" panose="020B0604020202020204" pitchFamily="34" charset="0"/>
+              <a:cs typeface="Arial" panose="020B0604020202020204" pitchFamily="34" charset="0"/>
+            </a:endParaRPr>
+          </a:p>
+        </p:txBody>
+      </p:sp>
+    </p:spTree>
+    <p:extLst>
+      <p:ext uri="{BB962C8B-B14F-4D97-AF65-F5344CB8AC3E}">
+        <p14:creationId xmlns:p14="http://schemas.microsoft.com/office/powerpoint/2010/main" val="1375697296"/>
+      </p:ext>
+    </p:extLst>
+  </p:cSld>
+  <p:clrMapOvr>
+    <a:masterClrMapping/>
+  </p:clrMapOvr>
+</p:sld>
+</file>
+
+<file path=ppt/slides/slide11.xml><?xml version="1.0" encoding="utf-8"?>
+<p:sld xmlns:a="http://schemas.openxmlformats.org/drawingml/2006/main" xmlns:r="http://schemas.openxmlformats.org/officeDocument/2006/relationships" xmlns:p="http://schemas.openxmlformats.org/presentationml/2006/main">
+  <p:cSld>
+    <p:spTree>
+      <p:nvGrpSpPr>
+        <p:cNvPr id="1" name=""/>
+        <p:cNvGrpSpPr/>
+        <p:nvPr/>
+      </p:nvGrpSpPr>
+      <p:grpSpPr>
+        <a:xfrm>
+          <a:off x="0" y="0"/>
+          <a:ext cx="0" cy="0"/>
+          <a:chOff x="0" y="0"/>
+          <a:chExt cx="0" cy="0"/>
+        </a:xfrm>
+      </p:grpSpPr>
+      <p:sp>
+        <p:nvSpPr>
+          <p:cNvPr id="2" name="Title 1">
+            <a:extLst>
+              <a:ext uri="{FF2B5EF4-FFF2-40B4-BE49-F238E27FC236}">
+                <a16:creationId xmlns:a16="http://schemas.microsoft.com/office/drawing/2014/main" id="{1F46D342-DDE1-4316-8682-E979DBC67130}"/>
+              </a:ext>
+            </a:extLst>
+          </p:cNvPr>
+          <p:cNvSpPr>
+            <a:spLocks noGrp="1"/>
+          </p:cNvSpPr>
+          <p:nvPr>
+            <p:ph type="title"/>
+          </p:nvPr>
+        </p:nvSpPr>
+        <p:spPr/>
+        <p:txBody>
+          <a:bodyPr/>
+          <a:lstStyle/>
+          <a:p>
+            <a:r>
+              <a:rPr lang="en-US" sz="8000" dirty="0">
+                <a:cs typeface="Arial" panose="020B0604020202020204" pitchFamily="34" charset="0"/>
+              </a:rPr>
+              <a:t>Thank you</a:t>
+            </a:r>
+            <a:endParaRPr lang="en-IN" sz="8000" dirty="0">
+              <a:cs typeface="Arial" panose="020B0604020202020204" pitchFamily="34" charset="0"/>
+            </a:endParaRPr>
+          </a:p>
+        </p:txBody>
+      </p:sp>
+    </p:spTree>
+    <p:extLst>
+      <p:ext uri="{BB962C8B-B14F-4D97-AF65-F5344CB8AC3E}">
+        <p14:creationId xmlns:p14="http://schemas.microsoft.com/office/powerpoint/2010/main" val="3237462426"/>
+      </p:ext>
+    </p:extLst>
+  </p:cSld>
+  <p:clrMapOvr>
+    <a:masterClrMapping/>
+  </p:clrMapOvr>
+</p:sld>
+</file>
+
 <file path=ppt/slides/slide2.xml><?xml version="1.0" encoding="utf-8"?>
 <p:sld xmlns:a="http://schemas.openxmlformats.org/drawingml/2006/main" xmlns:r="http://schemas.openxmlformats.org/officeDocument/2006/relationships" xmlns:p="http://schemas.openxmlformats.org/presentationml/2006/main">
   <p:cSld>
@@ -6487,7 +6699,7 @@
         <p:spPr>
           <a:xfrm>
             <a:off x="2124042" y="3059668"/>
-            <a:ext cx="7811068" cy="1754326"/>
+            <a:ext cx="7811068" cy="2862322"/>
           </a:xfrm>
           <a:prstGeom prst="rect">
             <a:avLst/>
@@ -6552,6 +6764,29 @@
                 <a:cs typeface="Arial" panose="020B0604020202020204" pitchFamily="34" charset="0"/>
               </a:rPr>
               <a:t>DRIVING RANGE IS INCREASED.</a:t>
+            </a:r>
+          </a:p>
+          <a:p>
+            <a:pPr marL="285750" indent="-285750">
+              <a:buFont typeface="Wingdings" panose="05000000000000000000" pitchFamily="2" charset="2"/>
+              <a:buChar char="§"/>
+            </a:pPr>
+            <a:endParaRPr lang="en-US" b="1" dirty="0">
+              <a:latin typeface="Arial" panose="020B0604020202020204" pitchFamily="34" charset="0"/>
+              <a:cs typeface="Arial" panose="020B0604020202020204" pitchFamily="34" charset="0"/>
+            </a:endParaRPr>
+          </a:p>
+          <a:p>
+            <a:pPr marL="285750" indent="-285750">
+              <a:buFont typeface="Wingdings" panose="05000000000000000000" pitchFamily="2" charset="2"/>
+              <a:buChar char="§"/>
+            </a:pPr>
+            <a:r>
+              <a:rPr lang="en-US" b="1" dirty="0">
+                <a:latin typeface="Arial" panose="020B0604020202020204" pitchFamily="34" charset="0"/>
+                <a:cs typeface="Arial" panose="020B0604020202020204" pitchFamily="34" charset="0"/>
+              </a:rPr>
+              <a:t>A HUGE ADVANTAGE OF ELECTRIC VEHICLES IS THEIR ABILITY TO RECAPTURE KINETIC ENERGY AND STORE IT IN THE BATTERY.</a:t>
             </a:r>
           </a:p>
           <a:p>
@@ -6735,6 +6970,98 @@
           <p:cNvPr id="2" name="Title 1">
             <a:extLst>
               <a:ext uri="{FF2B5EF4-FFF2-40B4-BE49-F238E27FC236}">
+                <a16:creationId xmlns:a16="http://schemas.microsoft.com/office/drawing/2014/main" id="{DBBF0A0B-788D-4A33-AF33-E4C92691EC8C}"/>
+              </a:ext>
+            </a:extLst>
+          </p:cNvPr>
+          <p:cNvSpPr>
+            <a:spLocks noGrp="1"/>
+          </p:cNvSpPr>
+          <p:nvPr>
+            <p:ph type="title"/>
+          </p:nvPr>
+        </p:nvSpPr>
+        <p:spPr/>
+        <p:txBody>
+          <a:bodyPr/>
+          <a:lstStyle/>
+          <a:p>
+            <a:r>
+              <a:rPr lang="en-US" b="1" dirty="0">
+                <a:latin typeface="Arial" panose="020B0604020202020204" pitchFamily="34" charset="0"/>
+                <a:cs typeface="Arial" panose="020B0604020202020204" pitchFamily="34" charset="0"/>
+              </a:rPr>
+              <a:t>BASIC BLOCK DIAGRAM :</a:t>
+            </a:r>
+          </a:p>
+        </p:txBody>
+      </p:sp>
+      <p:pic>
+        <p:nvPicPr>
+          <p:cNvPr id="4" name="Content Placeholder 3">
+            <a:extLst>
+              <a:ext uri="{FF2B5EF4-FFF2-40B4-BE49-F238E27FC236}">
+                <a16:creationId xmlns:a16="http://schemas.microsoft.com/office/drawing/2014/main" id="{AB42E660-C545-4655-9049-4149AC1E9783}"/>
+              </a:ext>
+            </a:extLst>
+          </p:cNvPr>
+          <p:cNvPicPr>
+            <a:picLocks noGrp="1"/>
+          </p:cNvPicPr>
+          <p:nvPr>
+            <p:ph idx="1"/>
+          </p:nvPr>
+        </p:nvPicPr>
+        <p:blipFill>
+          <a:blip r:embed="rId2" cstate="print"/>
+          <a:srcRect/>
+          <a:stretch/>
+        </p:blipFill>
+        <p:spPr>
+          <a:xfrm>
+            <a:off x="2496620" y="2455524"/>
+            <a:ext cx="6102850" cy="3030876"/>
+          </a:xfrm>
+          <a:prstGeom prst="rect">
+            <a:avLst/>
+          </a:prstGeom>
+        </p:spPr>
+      </p:pic>
+    </p:spTree>
+    <p:extLst>
+      <p:ext uri="{BB962C8B-B14F-4D97-AF65-F5344CB8AC3E}">
+        <p14:creationId xmlns:p14="http://schemas.microsoft.com/office/powerpoint/2010/main" val="89608603"/>
+      </p:ext>
+    </p:extLst>
+  </p:cSld>
+  <p:clrMapOvr>
+    <a:masterClrMapping/>
+  </p:clrMapOvr>
+</p:sld>
+</file>
+
+<file path=ppt/slides/slide6.xml><?xml version="1.0" encoding="utf-8"?>
+<p:sld xmlns:a="http://schemas.openxmlformats.org/drawingml/2006/main" xmlns:r="http://schemas.openxmlformats.org/officeDocument/2006/relationships" xmlns:p="http://schemas.openxmlformats.org/presentationml/2006/main">
+  <p:cSld>
+    <p:spTree>
+      <p:nvGrpSpPr>
+        <p:cNvPr id="1" name=""/>
+        <p:cNvGrpSpPr/>
+        <p:nvPr/>
+      </p:nvGrpSpPr>
+      <p:grpSpPr>
+        <a:xfrm>
+          <a:off x="0" y="0"/>
+          <a:ext cx="0" cy="0"/>
+          <a:chOff x="0" y="0"/>
+          <a:chExt cx="0" cy="0"/>
+        </a:xfrm>
+      </p:grpSpPr>
+      <p:sp>
+        <p:nvSpPr>
+          <p:cNvPr id="2" name="Title 1">
+            <a:extLst>
+              <a:ext uri="{FF2B5EF4-FFF2-40B4-BE49-F238E27FC236}">
                 <a16:creationId xmlns:a16="http://schemas.microsoft.com/office/drawing/2014/main" id="{C37D61FD-1AB2-4694-BE40-34F4B22D6A7E}"/>
               </a:ext>
             </a:extLst>
@@ -7008,98 +7335,6 @@
 </p:sld>
 </file>
 
-<file path=ppt/slides/slide6.xml><?xml version="1.0" encoding="utf-8"?>
-<p:sld xmlns:a="http://schemas.openxmlformats.org/drawingml/2006/main" xmlns:r="http://schemas.openxmlformats.org/officeDocument/2006/relationships" xmlns:p="http://schemas.openxmlformats.org/presentationml/2006/main">
-  <p:cSld>
-    <p:spTree>
-      <p:nvGrpSpPr>
-        <p:cNvPr id="1" name=""/>
-        <p:cNvGrpSpPr/>
-        <p:nvPr/>
-      </p:nvGrpSpPr>
-      <p:grpSpPr>
-        <a:xfrm>
-          <a:off x="0" y="0"/>
-          <a:ext cx="0" cy="0"/>
-          <a:chOff x="0" y="0"/>
-          <a:chExt cx="0" cy="0"/>
-        </a:xfrm>
-      </p:grpSpPr>
-      <p:sp>
-        <p:nvSpPr>
-          <p:cNvPr id="2" name="Title 1">
-            <a:extLst>
-              <a:ext uri="{FF2B5EF4-FFF2-40B4-BE49-F238E27FC236}">
-                <a16:creationId xmlns:a16="http://schemas.microsoft.com/office/drawing/2014/main" id="{DBBF0A0B-788D-4A33-AF33-E4C92691EC8C}"/>
-              </a:ext>
-            </a:extLst>
-          </p:cNvPr>
-          <p:cNvSpPr>
-            <a:spLocks noGrp="1"/>
-          </p:cNvSpPr>
-          <p:nvPr>
-            <p:ph type="title"/>
-          </p:nvPr>
-        </p:nvSpPr>
-        <p:spPr/>
-        <p:txBody>
-          <a:bodyPr/>
-          <a:lstStyle/>
-          <a:p>
-            <a:r>
-              <a:rPr lang="en-US" b="1" dirty="0">
-                <a:latin typeface="Arial" panose="020B0604020202020204" pitchFamily="34" charset="0"/>
-                <a:cs typeface="Arial" panose="020B0604020202020204" pitchFamily="34" charset="0"/>
-              </a:rPr>
-              <a:t>BASIC BLOCK DIAGRAM :</a:t>
-            </a:r>
-          </a:p>
-        </p:txBody>
-      </p:sp>
-      <p:pic>
-        <p:nvPicPr>
-          <p:cNvPr id="4" name="Content Placeholder 3">
-            <a:extLst>
-              <a:ext uri="{FF2B5EF4-FFF2-40B4-BE49-F238E27FC236}">
-                <a16:creationId xmlns:a16="http://schemas.microsoft.com/office/drawing/2014/main" id="{AB42E660-C545-4655-9049-4149AC1E9783}"/>
-              </a:ext>
-            </a:extLst>
-          </p:cNvPr>
-          <p:cNvPicPr>
-            <a:picLocks noGrp="1"/>
-          </p:cNvPicPr>
-          <p:nvPr>
-            <p:ph idx="1"/>
-          </p:nvPr>
-        </p:nvPicPr>
-        <p:blipFill>
-          <a:blip r:embed="rId2" cstate="print"/>
-          <a:srcRect/>
-          <a:stretch/>
-        </p:blipFill>
-        <p:spPr>
-          <a:xfrm>
-            <a:off x="2496620" y="2455524"/>
-            <a:ext cx="6102850" cy="3030876"/>
-          </a:xfrm>
-          <a:prstGeom prst="rect">
-            <a:avLst/>
-          </a:prstGeom>
-        </p:spPr>
-      </p:pic>
-    </p:spTree>
-    <p:extLst>
-      <p:ext uri="{BB962C8B-B14F-4D97-AF65-F5344CB8AC3E}">
-        <p14:creationId xmlns:p14="http://schemas.microsoft.com/office/powerpoint/2010/main" val="89608603"/>
-      </p:ext>
-    </p:extLst>
-  </p:cSld>
-  <p:clrMapOvr>
-    <a:masterClrMapping/>
-  </p:clrMapOvr>
-</p:sld>
-</file>
-
 <file path=ppt/slides/slide7.xml><?xml version="1.0" encoding="utf-8"?>
 <p:sld xmlns:a="http://schemas.openxmlformats.org/drawingml/2006/main" xmlns:r="http://schemas.openxmlformats.org/officeDocument/2006/relationships" xmlns:p="http://schemas.openxmlformats.org/presentationml/2006/main">
   <p:cSld>
@@ -7122,7 +7357,7 @@
           <p:cNvPr id="2" name="Title 1">
             <a:extLst>
               <a:ext uri="{FF2B5EF4-FFF2-40B4-BE49-F238E27FC236}">
-                <a16:creationId xmlns:a16="http://schemas.microsoft.com/office/drawing/2014/main" id="{ECC0C397-60F4-45DC-A8BD-00A24A139258}"/>
+                <a16:creationId xmlns:a16="http://schemas.microsoft.com/office/drawing/2014/main" id="{B1F615B3-E490-44C6-9F16-E1E045F0D231}"/>
               </a:ext>
             </a:extLst>
           </p:cNvPr>
@@ -7139,98 +7374,342 @@
           <a:lstStyle/>
           <a:p>
             <a:r>
-              <a:rPr lang="en-US" b="1" dirty="0">
-                <a:latin typeface="Arial" panose="020B0604020202020204" pitchFamily="34" charset="0"/>
-                <a:cs typeface="Arial" panose="020B0604020202020204" pitchFamily="34" charset="0"/>
-              </a:rPr>
-              <a:t>LIMITATIONS:</a:t>
-            </a:r>
-            <a:br>
-              <a:rPr lang="en-US" b="1" dirty="0">
-                <a:latin typeface="Arial" panose="020B0604020202020204" pitchFamily="34" charset="0"/>
-                <a:cs typeface="Arial" panose="020B0604020202020204" pitchFamily="34" charset="0"/>
-              </a:rPr>
-            </a:br>
-            <a:br>
-              <a:rPr lang="en-US" b="1" dirty="0">
-                <a:latin typeface="Arial" panose="020B0604020202020204" pitchFamily="34" charset="0"/>
-                <a:cs typeface="Arial" panose="020B0604020202020204" pitchFamily="34" charset="0"/>
-              </a:rPr>
-            </a:br>
-            <a:endParaRPr lang="en-US" b="1" dirty="0">
-              <a:latin typeface="Arial" panose="020B0604020202020204" pitchFamily="34" charset="0"/>
-              <a:cs typeface="Arial" panose="020B0604020202020204" pitchFamily="34" charset="0"/>
-            </a:endParaRPr>
-          </a:p>
-        </p:txBody>
-      </p:sp>
-      <p:sp>
-        <p:nvSpPr>
-          <p:cNvPr id="3" name="Content Placeholder 2">
+              <a:rPr lang="en-US" dirty="0"/>
+              <a:t>Actual Working</a:t>
+            </a:r>
+            <a:endParaRPr lang="en-IN" dirty="0"/>
+          </a:p>
+        </p:txBody>
+      </p:sp>
+      <p:pic>
+        <p:nvPicPr>
+          <p:cNvPr id="5" name="Content Placeholder 4">
             <a:extLst>
               <a:ext uri="{FF2B5EF4-FFF2-40B4-BE49-F238E27FC236}">
-                <a16:creationId xmlns:a16="http://schemas.microsoft.com/office/drawing/2014/main" id="{731AF70E-4516-4914-BE6A-26919DD5D555}"/>
+                <a16:creationId xmlns:a16="http://schemas.microsoft.com/office/drawing/2014/main" id="{FEB99336-5B4B-4B3F-A2DB-B977BA6DF583}"/>
               </a:ext>
             </a:extLst>
           </p:cNvPr>
-          <p:cNvSpPr>
-            <a:spLocks noGrp="1"/>
-          </p:cNvSpPr>
+          <p:cNvPicPr>
+            <a:picLocks noGrp="1" noChangeAspect="1"/>
+          </p:cNvPicPr>
           <p:nvPr>
             <p:ph idx="1"/>
           </p:nvPr>
-        </p:nvSpPr>
-        <p:spPr>
-          <a:xfrm>
-            <a:off x="1402243" y="2042645"/>
-            <a:ext cx="8946541" cy="2067018"/>
-          </a:xfrm>
-        </p:spPr>
-        <p:txBody>
-          <a:bodyPr/>
-          <a:lstStyle/>
-          <a:p>
-            <a:r>
-              <a:rPr lang="en-US" b="1" dirty="0">
-                <a:latin typeface="Arial" panose="020B0604020202020204" pitchFamily="34" charset="0"/>
-                <a:cs typeface="Arial" panose="020B0604020202020204" pitchFamily="34" charset="0"/>
+        </p:nvPicPr>
+        <p:blipFill>
+          <a:blip r:embed="rId2">
+            <a:extLst>
+              <a:ext uri="{28A0092B-C50C-407E-A947-70E740481C1C}">
+                <a14:useLocalDpi xmlns:a14="http://schemas.microsoft.com/office/drawing/2010/main" val="0"/>
+              </a:ext>
+            </a:extLst>
+          </a:blip>
+          <a:stretch>
+            <a:fillRect/>
+          </a:stretch>
+        </p:blipFill>
+        <p:spPr>
+          <a:xfrm>
+            <a:off x="1522068" y="1250576"/>
+            <a:ext cx="8619438" cy="3347940"/>
+          </a:xfrm>
+        </p:spPr>
+      </p:pic>
+      <p:sp>
+        <p:nvSpPr>
+          <p:cNvPr id="7" name="TextBox 6">
+            <a:extLst>
+              <a:ext uri="{FF2B5EF4-FFF2-40B4-BE49-F238E27FC236}">
+                <a16:creationId xmlns:a16="http://schemas.microsoft.com/office/drawing/2014/main" id="{BBA0FDC0-4341-481F-960B-88A3041C572D}"/>
+              </a:ext>
+            </a:extLst>
+          </p:cNvPr>
+          <p:cNvSpPr txBox="1"/>
+          <p:nvPr/>
+        </p:nvSpPr>
+        <p:spPr>
+          <a:xfrm>
+            <a:off x="1431396" y="4759881"/>
+            <a:ext cx="8619438" cy="1815882"/>
+          </a:xfrm>
+          <a:prstGeom prst="rect">
+            <a:avLst/>
+          </a:prstGeom>
+          <a:noFill/>
+        </p:spPr>
+        <p:txBody>
+          <a:bodyPr wrap="square" rtlCol="0">
+            <a:spAutoFit/>
+          </a:bodyPr>
+          <a:lstStyle/>
+          <a:p>
+            <a:r>
+              <a:rPr lang="en-US" sz="2800" b="0" i="0" dirty="0">
+                <a:effectLst/>
+                <a:latin typeface="Roboto" panose="02000000000000000000" pitchFamily="2" charset="0"/>
               </a:rPr>
-              <a:t>WE CAN’T RELY ON ONLY THIS BREAKING SYSTEM FOR HIGH SPEED APPLICATIONS.</a:t>
-            </a:r>
-          </a:p>
-          <a:p>
-            <a:pPr marL="0" indent="0">
-              <a:buNone/>
-            </a:pPr>
-            <a:endParaRPr lang="en-US" b="1" dirty="0">
-              <a:latin typeface="Arial" panose="020B0604020202020204" pitchFamily="34" charset="0"/>
-              <a:cs typeface="Arial" panose="020B0604020202020204" pitchFamily="34" charset="0"/>
-            </a:endParaRPr>
-          </a:p>
-          <a:p>
-            <a:r>
-              <a:rPr lang="en-US" b="1" dirty="0">
-                <a:latin typeface="Arial" panose="020B0604020202020204" pitchFamily="34" charset="0"/>
-                <a:cs typeface="Arial" panose="020B0604020202020204" pitchFamily="34" charset="0"/>
+              <a:t>TO MAXIMIZE THE EFFICIENCY OF THIS PROCESS, THE DRIVELINE, POWER CONVERTERS, AND BATTERY DESIGN NEED TO BE COORDINATED WITH THE BATTERY MANAGEMENT ALGORITHM</a:t>
+            </a:r>
+            <a:r>
+              <a:rPr lang="en-US" b="0" i="0" dirty="0">
+                <a:effectLst/>
+                <a:latin typeface="Roboto" panose="02000000000000000000" pitchFamily="2" charset="0"/>
               </a:rPr>
-              <a:t>MORE EFFICIENT AND EFFECTIVE IN STOP-AND-GO DRIVING CONDITIONS.</a:t>
-            </a:r>
-          </a:p>
-          <a:p>
-            <a:pPr marL="0" indent="0">
-              <a:buNone/>
-            </a:pPr>
-            <a:endParaRPr lang="en-US" b="1" dirty="0">
-              <a:latin typeface="Arial" panose="020B0604020202020204" pitchFamily="34" charset="0"/>
-              <a:cs typeface="Arial" panose="020B0604020202020204" pitchFamily="34" charset="0"/>
-            </a:endParaRPr>
+              <a:t>.</a:t>
+            </a:r>
+            <a:endParaRPr lang="en-IN" dirty="0"/>
           </a:p>
         </p:txBody>
       </p:sp>
     </p:spTree>
     <p:extLst>
       <p:ext uri="{BB962C8B-B14F-4D97-AF65-F5344CB8AC3E}">
-        <p14:creationId xmlns:p14="http://schemas.microsoft.com/office/powerpoint/2010/main" val="1375697296"/>
+        <p14:creationId xmlns:p14="http://schemas.microsoft.com/office/powerpoint/2010/main" val="3520702196"/>
+      </p:ext>
+    </p:extLst>
+  </p:cSld>
+  <p:clrMapOvr>
+    <a:masterClrMapping/>
+  </p:clrMapOvr>
+</p:sld>
+</file>
+
+<file path=ppt/slides/slide8.xml><?xml version="1.0" encoding="utf-8"?>
+<p:sld xmlns:a="http://schemas.openxmlformats.org/drawingml/2006/main" xmlns:r="http://schemas.openxmlformats.org/officeDocument/2006/relationships" xmlns:p="http://schemas.openxmlformats.org/presentationml/2006/main">
+  <p:cSld>
+    <p:spTree>
+      <p:nvGrpSpPr>
+        <p:cNvPr id="1" name=""/>
+        <p:cNvGrpSpPr/>
+        <p:nvPr/>
+      </p:nvGrpSpPr>
+      <p:grpSpPr>
+        <a:xfrm>
+          <a:off x="0" y="0"/>
+          <a:ext cx="0" cy="0"/>
+          <a:chOff x="0" y="0"/>
+          <a:chExt cx="0" cy="0"/>
+        </a:xfrm>
+      </p:grpSpPr>
+      <p:sp>
+        <p:nvSpPr>
+          <p:cNvPr id="2" name="Title 1">
+            <a:extLst>
+              <a:ext uri="{FF2B5EF4-FFF2-40B4-BE49-F238E27FC236}">
+                <a16:creationId xmlns:a16="http://schemas.microsoft.com/office/drawing/2014/main" id="{61138EC4-1161-4C83-B83E-17B1F8F0F53F}"/>
+              </a:ext>
+            </a:extLst>
+          </p:cNvPr>
+          <p:cNvSpPr>
+            <a:spLocks noGrp="1"/>
+          </p:cNvSpPr>
+          <p:nvPr>
+            <p:ph type="title"/>
+          </p:nvPr>
+        </p:nvSpPr>
+        <p:spPr/>
+        <p:txBody>
+          <a:bodyPr/>
+          <a:lstStyle/>
+          <a:p>
+            <a:r>
+              <a:rPr lang="en-US" dirty="0"/>
+              <a:t>Power Converter</a:t>
+            </a:r>
+            <a:endParaRPr lang="en-IN" dirty="0"/>
+          </a:p>
+        </p:txBody>
+      </p:sp>
+      <p:pic>
+        <p:nvPicPr>
+          <p:cNvPr id="5" name="Content Placeholder 4">
+            <a:extLst>
+              <a:ext uri="{FF2B5EF4-FFF2-40B4-BE49-F238E27FC236}">
+                <a16:creationId xmlns:a16="http://schemas.microsoft.com/office/drawing/2014/main" id="{FA6D2D18-7181-456C-9827-A4C522270017}"/>
+              </a:ext>
+            </a:extLst>
+          </p:cNvPr>
+          <p:cNvPicPr>
+            <a:picLocks noGrp="1" noChangeAspect="1"/>
+          </p:cNvPicPr>
+          <p:nvPr>
+            <p:ph idx="1"/>
+          </p:nvPr>
+        </p:nvPicPr>
+        <p:blipFill rotWithShape="1">
+          <a:blip r:embed="rId2">
+            <a:extLst>
+              <a:ext uri="{28A0092B-C50C-407E-A947-70E740481C1C}">
+                <a14:useLocalDpi xmlns:a14="http://schemas.microsoft.com/office/drawing/2010/main" val="0"/>
+              </a:ext>
+            </a:extLst>
+          </a:blip>
+          <a:srcRect l="313" t="905" b="-1"/>
+          <a:stretch/>
+        </p:blipFill>
+        <p:spPr>
+          <a:xfrm>
+            <a:off x="1264024" y="2151528"/>
+            <a:ext cx="8565902" cy="3993777"/>
+          </a:xfrm>
+        </p:spPr>
+      </p:pic>
+    </p:spTree>
+    <p:extLst>
+      <p:ext uri="{BB962C8B-B14F-4D97-AF65-F5344CB8AC3E}">
+        <p14:creationId xmlns:p14="http://schemas.microsoft.com/office/powerpoint/2010/main" val="1931046231"/>
+      </p:ext>
+    </p:extLst>
+  </p:cSld>
+  <p:clrMapOvr>
+    <a:masterClrMapping/>
+  </p:clrMapOvr>
+</p:sld>
+</file>
+
+<file path=ppt/slides/slide9.xml><?xml version="1.0" encoding="utf-8"?>
+<p:sld xmlns:a="http://schemas.openxmlformats.org/drawingml/2006/main" xmlns:r="http://schemas.openxmlformats.org/officeDocument/2006/relationships" xmlns:p="http://schemas.openxmlformats.org/presentationml/2006/main">
+  <p:cSld>
+    <p:spTree>
+      <p:nvGrpSpPr>
+        <p:cNvPr id="1" name=""/>
+        <p:cNvGrpSpPr/>
+        <p:nvPr/>
+      </p:nvGrpSpPr>
+      <p:grpSpPr>
+        <a:xfrm>
+          <a:off x="0" y="0"/>
+          <a:ext cx="0" cy="0"/>
+          <a:chOff x="0" y="0"/>
+          <a:chExt cx="0" cy="0"/>
+        </a:xfrm>
+      </p:grpSpPr>
+      <p:sp>
+        <p:nvSpPr>
+          <p:cNvPr id="2" name="Title 1">
+            <a:extLst>
+              <a:ext uri="{FF2B5EF4-FFF2-40B4-BE49-F238E27FC236}">
+                <a16:creationId xmlns:a16="http://schemas.microsoft.com/office/drawing/2014/main" id="{B40A3CD0-FBF7-4374-87B8-9E56001D5788}"/>
+              </a:ext>
+            </a:extLst>
+          </p:cNvPr>
+          <p:cNvSpPr>
+            <a:spLocks noGrp="1"/>
+          </p:cNvSpPr>
+          <p:nvPr>
+            <p:ph type="title"/>
+          </p:nvPr>
+        </p:nvSpPr>
+        <p:spPr>
+          <a:xfrm>
+            <a:off x="646111" y="452719"/>
+            <a:ext cx="7529701" cy="717176"/>
+          </a:xfrm>
+        </p:spPr>
+        <p:txBody>
+          <a:bodyPr/>
+          <a:lstStyle/>
+          <a:p>
+            <a:r>
+              <a:rPr lang="en-US" dirty="0"/>
+              <a:t>Graphical Representation</a:t>
+            </a:r>
+            <a:endParaRPr lang="en-IN" dirty="0"/>
+          </a:p>
+        </p:txBody>
+      </p:sp>
+      <p:pic>
+        <p:nvPicPr>
+          <p:cNvPr id="5" name="Content Placeholder 4">
+            <a:extLst>
+              <a:ext uri="{FF2B5EF4-FFF2-40B4-BE49-F238E27FC236}">
+                <a16:creationId xmlns:a16="http://schemas.microsoft.com/office/drawing/2014/main" id="{1D3CF6FC-2A63-4DC0-A612-B85E9DEC0C47}"/>
+              </a:ext>
+            </a:extLst>
+          </p:cNvPr>
+          <p:cNvPicPr>
+            <a:picLocks noGrp="1" noChangeAspect="1"/>
+          </p:cNvPicPr>
+          <p:nvPr>
+            <p:ph idx="1"/>
+          </p:nvPr>
+        </p:nvPicPr>
+        <p:blipFill>
+          <a:blip r:embed="rId2">
+            <a:extLst>
+              <a:ext uri="{28A0092B-C50C-407E-A947-70E740481C1C}">
+                <a14:useLocalDpi xmlns:a14="http://schemas.microsoft.com/office/drawing/2010/main" val="0"/>
+              </a:ext>
+            </a:extLst>
+          </a:blip>
+          <a:stretch>
+            <a:fillRect/>
+          </a:stretch>
+        </p:blipFill>
+        <p:spPr>
+          <a:xfrm>
+            <a:off x="704382" y="1452282"/>
+            <a:ext cx="6938681" cy="5204011"/>
+          </a:xfrm>
+        </p:spPr>
+      </p:pic>
+      <p:sp>
+        <p:nvSpPr>
+          <p:cNvPr id="6" name="TextBox 5">
+            <a:extLst>
+              <a:ext uri="{FF2B5EF4-FFF2-40B4-BE49-F238E27FC236}">
+                <a16:creationId xmlns:a16="http://schemas.microsoft.com/office/drawing/2014/main" id="{7FEFE9FA-99D9-4BF3-9C8F-605396D1165E}"/>
+              </a:ext>
+            </a:extLst>
+          </p:cNvPr>
+          <p:cNvSpPr txBox="1"/>
+          <p:nvPr/>
+        </p:nvSpPr>
+        <p:spPr>
+          <a:xfrm>
+            <a:off x="7785847" y="1750123"/>
+            <a:ext cx="4235824" cy="3416320"/>
+          </a:xfrm>
+          <a:prstGeom prst="rect">
+            <a:avLst/>
+          </a:prstGeom>
+          <a:noFill/>
+        </p:spPr>
+        <p:txBody>
+          <a:bodyPr wrap="square" rtlCol="0">
+            <a:spAutoFit/>
+          </a:bodyPr>
+          <a:lstStyle/>
+          <a:p>
+            <a:r>
+              <a:rPr lang="en-US" sz="2400" dirty="0">
+                <a:latin typeface="Roboto" panose="02000000000000000000" pitchFamily="2" charset="0"/>
+              </a:rPr>
+              <a:t>H</a:t>
+            </a:r>
+            <a:r>
+              <a:rPr lang="en-US" sz="2400" b="0" i="0" dirty="0">
+                <a:effectLst/>
+                <a:latin typeface="Roboto" panose="02000000000000000000" pitchFamily="2" charset="0"/>
+              </a:rPr>
+              <a:t>ydraulic system and electric motors that generate torque during braking systems to balance requirements for passenger safety and comfort systems to balance requirements for passenger safety and comfort and to maximize the vehicle’s range</a:t>
+            </a:r>
+            <a:r>
+              <a:rPr lang="en-US" b="0" i="0" dirty="0">
+                <a:effectLst/>
+                <a:latin typeface="Roboto" panose="02000000000000000000" pitchFamily="2" charset="0"/>
+              </a:rPr>
+              <a:t>.</a:t>
+            </a:r>
+            <a:endParaRPr lang="en-IN" dirty="0"/>
+          </a:p>
+        </p:txBody>
+      </p:sp>
+    </p:spTree>
+    <p:extLst>
+      <p:ext uri="{BB962C8B-B14F-4D97-AF65-F5344CB8AC3E}">
+        <p14:creationId xmlns:p14="http://schemas.microsoft.com/office/powerpoint/2010/main" val="3671055047"/>
       </p:ext>
     </p:extLst>
   </p:cSld>
